--- a/Web Frameworks/Angular/Session 1 - Introduction and Slides/Introduction to Angular.pptx
+++ b/Web Frameworks/Angular/Session 1 - Introduction and Slides/Introduction to Angular.pptx
@@ -6,7 +6,7 @@
     <p:sldMasterId id="2147483663" r:id="rId2"/>
   </p:sldMasterIdLst>
   <p:notesMasterIdLst>
-    <p:notesMasterId r:id="rId29"/>
+    <p:notesMasterId r:id="rId28"/>
   </p:notesMasterIdLst>
   <p:sldIdLst>
     <p:sldId id="256" r:id="rId3"/>
@@ -33,8 +33,7 @@
     <p:sldId id="347" r:id="rId24"/>
     <p:sldId id="348" r:id="rId25"/>
     <p:sldId id="349" r:id="rId26"/>
-    <p:sldId id="295" r:id="rId27"/>
-    <p:sldId id="299" r:id="rId28"/>
+    <p:sldId id="299" r:id="rId27"/>
   </p:sldIdLst>
   <p:sldSz cx="12192000" cy="6858000"/>
   <p:notesSz cx="6858000" cy="9144000"/>
@@ -223,7 +222,7 @@
           <a:p>
             <a:fld id="{49B60EF2-7028-489F-85D8-FE86CD7CF2A0}" type="datetimeFigureOut">
               <a:rPr lang="en-US" smtClean="0"/>
-              <a:t>3/31/17</a:t>
+              <a:t>3/31/2017</a:t>
             </a:fld>
             <a:endParaRPr lang="en-US"/>
           </a:p>
@@ -2569,7 +2568,7 @@
           <a:p>
             <a:fld id="{0459C166-16D3-4A25-A2F8-C51E0E346B22}" type="datetimeFigureOut">
               <a:rPr lang="en-US" smtClean="0"/>
-              <a:t>3/31/17</a:t>
+              <a:t>3/31/2017</a:t>
             </a:fld>
             <a:endParaRPr lang="en-US"/>
           </a:p>
@@ -2664,7 +2663,7 @@
           <a:p>
             <a:fld id="{0459C166-16D3-4A25-A2F8-C51E0E346B22}" type="datetimeFigureOut">
               <a:rPr lang="en-US" smtClean="0"/>
-              <a:t>3/31/17</a:t>
+              <a:t>3/31/2017</a:t>
             </a:fld>
             <a:endParaRPr lang="en-US"/>
           </a:p>
@@ -2939,7 +2938,7 @@
           <a:p>
             <a:fld id="{0459C166-16D3-4A25-A2F8-C51E0E346B22}" type="datetimeFigureOut">
               <a:rPr lang="en-US" smtClean="0"/>
-              <a:t>3/31/17</a:t>
+              <a:t>3/31/2017</a:t>
             </a:fld>
             <a:endParaRPr lang="en-US"/>
           </a:p>
@@ -3191,7 +3190,7 @@
           <a:p>
             <a:fld id="{0459C166-16D3-4A25-A2F8-C51E0E346B22}" type="datetimeFigureOut">
               <a:rPr lang="en-US" smtClean="0"/>
-              <a:t>3/31/17</a:t>
+              <a:t>3/31/2017</a:t>
             </a:fld>
             <a:endParaRPr lang="en-US"/>
           </a:p>
@@ -3359,7 +3358,7 @@
           <a:p>
             <a:fld id="{0459C166-16D3-4A25-A2F8-C51E0E346B22}" type="datetimeFigureOut">
               <a:rPr lang="en-US" smtClean="0"/>
-              <a:t>3/31/17</a:t>
+              <a:t>3/31/2017</a:t>
             </a:fld>
             <a:endParaRPr lang="en-US"/>
           </a:p>
@@ -3537,7 +3536,7 @@
           <a:p>
             <a:fld id="{0459C166-16D3-4A25-A2F8-C51E0E346B22}" type="datetimeFigureOut">
               <a:rPr lang="en-US" smtClean="0"/>
-              <a:t>3/31/17</a:t>
+              <a:t>3/31/2017</a:t>
             </a:fld>
             <a:endParaRPr lang="en-US"/>
           </a:p>
@@ -5464,7 +5463,7 @@
           <a:p>
             <a:fld id="{0459C166-16D3-4A25-A2F8-C51E0E346B22}" type="datetimeFigureOut">
               <a:rPr lang="en-US" smtClean="0"/>
-              <a:t>3/31/17</a:t>
+              <a:t>3/31/2017</a:t>
             </a:fld>
             <a:endParaRPr lang="en-US"/>
           </a:p>
@@ -11091,7 +11090,7 @@
             <a:fld id="{0459C166-16D3-4A25-A2F8-C51E0E346B22}" type="datetimeFigureOut">
               <a:rPr lang="en-US" smtClean="0"/>
               <a:pPr/>
-              <a:t>3/31/17</a:t>
+              <a:t>3/31/2017</a:t>
             </a:fld>
             <a:endParaRPr lang="en-US"/>
           </a:p>
@@ -15153,7 +15152,7 @@
           <a:p>
             <a:fld id="{0459C166-16D3-4A25-A2F8-C51E0E346B22}" type="datetimeFigureOut">
               <a:rPr lang="en-US" smtClean="0"/>
-              <a:t>3/31/17</a:t>
+              <a:t>3/31/2017</a:t>
             </a:fld>
             <a:endParaRPr lang="en-US"/>
           </a:p>
@@ -15517,7 +15516,7 @@
           <a:p>
             <a:fld id="{0459C166-16D3-4A25-A2F8-C51E0E346B22}" type="datetimeFigureOut">
               <a:rPr lang="en-US" smtClean="0"/>
-              <a:t>3/31/17</a:t>
+              <a:t>3/31/2017</a:t>
             </a:fld>
             <a:endParaRPr lang="en-US"/>
           </a:p>
@@ -15634,7 +15633,7 @@
           <a:p>
             <a:fld id="{0459C166-16D3-4A25-A2F8-C51E0E346B22}" type="datetimeFigureOut">
               <a:rPr lang="en-US" smtClean="0"/>
-              <a:t>3/31/17</a:t>
+              <a:t>3/31/2017</a:t>
             </a:fld>
             <a:endParaRPr lang="en-US"/>
           </a:p>
@@ -15845,7 +15844,7 @@
           <a:p>
             <a:fld id="{0459C166-16D3-4A25-A2F8-C51E0E346B22}" type="datetimeFigureOut">
               <a:rPr lang="en-US" smtClean="0"/>
-              <a:t>3/31/17</a:t>
+              <a:t>3/31/2017</a:t>
             </a:fld>
             <a:endParaRPr lang="en-US"/>
           </a:p>
@@ -17136,11 +17135,7 @@
           <a:p>
             <a:r>
               <a:rPr lang="en-US" dirty="0" smtClean="0"/>
-              <a:t>Introduction to </a:t>
-            </a:r>
-            <a:r>
-              <a:rPr lang="en-US" dirty="0" smtClean="0"/>
-              <a:t>Angular</a:t>
+              <a:t>Introduction to Angular</a:t>
             </a:r>
             <a:endParaRPr lang="en-US" dirty="0"/>
           </a:p>
@@ -17241,7 +17236,6 @@
               <a:rPr lang="en-US" dirty="0"/>
               <a:t>TypeScript</a:t>
             </a:r>
-            <a:endParaRPr lang="en-US" dirty="0"/>
           </a:p>
         </p:txBody>
       </p:sp>
@@ -17387,7 +17381,6 @@
               <a:rPr lang="en-US" dirty="0"/>
               <a:t>TypeScript</a:t>
             </a:r>
-            <a:endParaRPr lang="en-US" dirty="0"/>
           </a:p>
         </p:txBody>
       </p:sp>
@@ -17409,7 +17402,7 @@
         </p:spPr>
         <p:txBody>
           <a:bodyPr>
-            <a:normAutofit/>
+            <a:normAutofit lnSpcReduction="10000"/>
           </a:bodyPr>
           <a:lstStyle/>
           <a:p>
@@ -17509,7 +17502,6 @@
               <a:rPr lang="en-US" dirty="0"/>
               <a:t>SASS</a:t>
             </a:r>
-            <a:endParaRPr lang="en-US" dirty="0"/>
           </a:p>
         </p:txBody>
       </p:sp>
@@ -17634,7 +17626,6 @@
               <a:rPr lang="en-US" dirty="0"/>
               <a:t>Hello World!</a:t>
             </a:r>
-            <a:endParaRPr lang="en-US" dirty="0"/>
           </a:p>
         </p:txBody>
       </p:sp>
@@ -18007,15 +17998,7 @@
           <a:p>
             <a:r>
               <a:rPr lang="en-US" dirty="0" smtClean="0"/>
-              <a:t>When </a:t>
-            </a:r>
-            <a:r>
-              <a:rPr lang="en-US" dirty="0" smtClean="0"/>
-              <a:t>Angular </a:t>
-            </a:r>
-            <a:r>
-              <a:rPr lang="en-US" dirty="0" smtClean="0"/>
-              <a:t>is installed in the application via NPM, it can be easily imported using the </a:t>
+              <a:t>When Angular is installed in the application via NPM, it can be easily imported using the </a:t>
             </a:r>
             <a:r>
               <a:rPr lang="en-US" b="1" dirty="0" smtClean="0"/>
@@ -18090,11 +18073,7 @@
           <a:p>
             <a:r>
               <a:rPr lang="en-US" dirty="0" smtClean="0"/>
-              <a:t>Angular </a:t>
-            </a:r>
-            <a:r>
-              <a:rPr lang="en-US" dirty="0" smtClean="0"/>
-              <a:t>Modules</a:t>
+              <a:t>Angular Modules</a:t>
             </a:r>
             <a:endParaRPr lang="en-US" dirty="0"/>
           </a:p>
@@ -18380,15 +18359,7 @@
           <a:p>
             <a:r>
               <a:rPr lang="en-US" dirty="0" smtClean="0"/>
-              <a:t>Composing </a:t>
-            </a:r>
-            <a:r>
-              <a:rPr lang="en-US" dirty="0" smtClean="0"/>
-              <a:t>Angular </a:t>
-            </a:r>
-            <a:r>
-              <a:rPr lang="en-US" dirty="0" smtClean="0"/>
-              <a:t>Components</a:t>
+              <a:t>Composing Angular Components</a:t>
             </a:r>
             <a:endParaRPr lang="en-US" dirty="0"/>
           </a:p>
@@ -18424,15 +18395,7 @@
           <a:p>
             <a:r>
               <a:rPr lang="en-US" dirty="0" smtClean="0"/>
-              <a:t>While a single </a:t>
-            </a:r>
-            <a:r>
-              <a:rPr lang="en-US" dirty="0" smtClean="0"/>
-              <a:t>Angular </a:t>
-            </a:r>
-            <a:r>
-              <a:rPr lang="en-US" dirty="0" smtClean="0"/>
-              <a:t>component can contain the entire UI, this is not a best practice</a:t>
+              <a:t>While a single Angular component can contain the entire UI, this is not a best practice</a:t>
             </a:r>
           </a:p>
           <a:p>
@@ -18455,38 +18418,14 @@
             </a:r>
             <a:r>
               <a:rPr lang="en-US" dirty="0" smtClean="0"/>
-              <a:t>arent passes data to child component via </a:t>
-            </a:r>
+              <a:t>arent passes data to child component via inputs; data should be immutable to child</a:t>
+            </a:r>
+          </a:p>
+          <a:p>
+            <a:pPr lvl="1"/>
             <a:r>
               <a:rPr lang="en-US" dirty="0" smtClean="0"/>
-              <a:t>inputs; </a:t>
-            </a:r>
-            <a:r>
-              <a:rPr lang="en-US" dirty="0" smtClean="0"/>
-              <a:t>data </a:t>
-            </a:r>
-            <a:r>
-              <a:rPr lang="en-US" dirty="0" smtClean="0"/>
-              <a:t>should be </a:t>
-            </a:r>
-            <a:r>
-              <a:rPr lang="en-US" dirty="0" smtClean="0"/>
-              <a:t>immutable to child</a:t>
-            </a:r>
-          </a:p>
-          <a:p>
-            <a:pPr lvl="1"/>
-            <a:r>
-              <a:rPr lang="en-US" dirty="0" smtClean="0"/>
-              <a:t>Child passes data to parent via </a:t>
-            </a:r>
-            <a:r>
-              <a:rPr lang="en-US" dirty="0" smtClean="0"/>
-              <a:t>outputs; </a:t>
-            </a:r>
-            <a:r>
-              <a:rPr lang="en-US" dirty="0" smtClean="0"/>
-              <a:t>data is used to update the state of the parent, or is passed up the component tree</a:t>
+              <a:t>Child passes data to parent via outputs; data is used to update the state of the parent, or is passed up the component tree</a:t>
             </a:r>
             <a:endParaRPr lang="en-US" dirty="0"/>
           </a:p>
@@ -18588,7 +18527,6 @@
               <a:rPr lang="en-US" dirty="0" smtClean="0"/>
               <a:t>In this lab, a simple Angular CRUD (create, read, update, delete) application demonstrating components, services, forms and REST services will be created</a:t>
             </a:r>
-            <a:endParaRPr lang="en-US" dirty="0" smtClean="0"/>
           </a:p>
           <a:p>
             <a:endParaRPr lang="en-US" dirty="0"/>
@@ -18642,15 +18580,7 @@
           <a:p>
             <a:r>
               <a:rPr lang="en-US" dirty="0" smtClean="0"/>
-              <a:t>Composing </a:t>
-            </a:r>
-            <a:r>
-              <a:rPr lang="en-US" dirty="0" smtClean="0"/>
-              <a:t>Angular </a:t>
-            </a:r>
-            <a:r>
-              <a:rPr lang="en-US" dirty="0" smtClean="0"/>
-              <a:t>Components</a:t>
+              <a:t>Composing Angular Components</a:t>
             </a:r>
             <a:endParaRPr lang="en-US" dirty="0"/>
           </a:p>
@@ -19152,7 +19082,6 @@
               <a:rPr lang="en-US" dirty="0"/>
               <a:t>Creating a Service</a:t>
             </a:r>
-            <a:endParaRPr lang="en-US" dirty="0"/>
           </a:p>
         </p:txBody>
       </p:sp>
@@ -19252,7 +19181,6 @@
               <a:rPr lang="en-US" dirty="0"/>
               <a:t>Creating a Service</a:t>
             </a:r>
-            <a:endParaRPr lang="en-US" dirty="0"/>
           </a:p>
         </p:txBody>
       </p:sp>
@@ -20060,86 +19988,6 @@
 </file>
 
 <file path=ppt/slides/slide25.xml><?xml version="1.0" encoding="utf-8"?>
-<p:sld xmlns:a="http://schemas.openxmlformats.org/drawingml/2006/main" xmlns:r="http://schemas.openxmlformats.org/officeDocument/2006/relationships" xmlns:p="http://schemas.openxmlformats.org/presentationml/2006/main">
-  <p:cSld>
-    <p:spTree>
-      <p:nvGrpSpPr>
-        <p:cNvPr id="1" name=""/>
-        <p:cNvGrpSpPr/>
-        <p:nvPr/>
-      </p:nvGrpSpPr>
-      <p:grpSpPr>
-        <a:xfrm>
-          <a:off x="0" y="0"/>
-          <a:ext cx="0" cy="0"/>
-          <a:chOff x="0" y="0"/>
-          <a:chExt cx="0" cy="0"/>
-        </a:xfrm>
-      </p:grpSpPr>
-      <p:sp>
-        <p:nvSpPr>
-          <p:cNvPr id="4" name="Title 3"/>
-          <p:cNvSpPr>
-            <a:spLocks noGrp="1"/>
-          </p:cNvSpPr>
-          <p:nvPr>
-            <p:ph type="title"/>
-          </p:nvPr>
-        </p:nvSpPr>
-        <p:spPr/>
-        <p:txBody>
-          <a:bodyPr/>
-          <a:lstStyle/>
-          <a:p>
-            <a:r>
-              <a:rPr lang="en-US" dirty="0" smtClean="0"/>
-              <a:t>Hands-On Lab</a:t>
-            </a:r>
-            <a:endParaRPr lang="en-US" dirty="0"/>
-          </a:p>
-        </p:txBody>
-      </p:sp>
-      <p:sp>
-        <p:nvSpPr>
-          <p:cNvPr id="5" name="Text Placeholder 4"/>
-          <p:cNvSpPr>
-            <a:spLocks noGrp="1"/>
-          </p:cNvSpPr>
-          <p:nvPr>
-            <p:ph type="body" idx="1"/>
-          </p:nvPr>
-        </p:nvSpPr>
-        <p:spPr/>
-        <p:txBody>
-          <a:bodyPr/>
-          <a:lstStyle/>
-          <a:p>
-            <a:r>
-              <a:rPr lang="en-US" dirty="0" smtClean="0"/>
-              <a:t>Introduction to </a:t>
-            </a:r>
-            <a:r>
-              <a:rPr lang="en-US" dirty="0" err="1" smtClean="0"/>
-              <a:t>Angular.html</a:t>
-            </a:r>
-            <a:endParaRPr lang="en-US" dirty="0"/>
-          </a:p>
-        </p:txBody>
-      </p:sp>
-    </p:spTree>
-    <p:extLst>
-      <p:ext uri="{BB962C8B-B14F-4D97-AF65-F5344CB8AC3E}">
-        <p14:creationId xmlns:p14="http://schemas.microsoft.com/office/powerpoint/2010/main" val="3335184859"/>
-      </p:ext>
-    </p:extLst>
-  </p:cSld>
-  <p:clrMapOvr>
-    <a:masterClrMapping/>
-  </p:clrMapOvr>
-</p:sld>
-</file>
-
-<file path=ppt/slides/slide26.xml><?xml version="1.0" encoding="utf-8"?>
 <p:sld xmlns:a="http://schemas.openxmlformats.org/drawingml/2006/main" xmlns:r="http://schemas.openxmlformats.org/officeDocument/2006/relationships" xmlns:p="http://schemas.openxmlformats.org/presentationml/2006/main">
   <p:cSld>
     <p:spTree>
@@ -20215,7 +20063,6 @@
               <a:rPr lang="en-US" dirty="0"/>
               <a:t>What is Angular?</a:t>
             </a:r>
-            <a:endParaRPr lang="en-US" dirty="0"/>
           </a:p>
         </p:txBody>
       </p:sp>
@@ -20324,7 +20171,6 @@
               <a:rPr lang="en-US" dirty="0"/>
               <a:t>Application Framework</a:t>
             </a:r>
-            <a:endParaRPr lang="en-US" dirty="0"/>
           </a:p>
         </p:txBody>
       </p:sp>
@@ -20378,7 +20224,6 @@
               <a:rPr lang="en-US" dirty="0"/>
               <a:t>organizes code through modules, provides UI widgets through components, formats data with pipes, manipulates the DOM through directives, provides access to REST services through the HTTP module, enhances HTML forms, application routing, etc…</a:t>
             </a:r>
-            <a:endParaRPr lang="en-US" dirty="0"/>
           </a:p>
         </p:txBody>
       </p:sp>
@@ -20431,7 +20276,6 @@
               <a:rPr lang="en-US" dirty="0"/>
               <a:t>Component Driven Development</a:t>
             </a:r>
-            <a:endParaRPr lang="en-US" dirty="0"/>
           </a:p>
         </p:txBody>
       </p:sp>
@@ -20556,7 +20400,6 @@
               <a:rPr lang="en-US" dirty="0"/>
               <a:t>Cross-Platform</a:t>
             </a:r>
-            <a:endParaRPr lang="en-US" dirty="0"/>
           </a:p>
         </p:txBody>
       </p:sp>
@@ -20897,15 +20740,7 @@
           <a:p>
             <a:r>
               <a:rPr lang="en-US" dirty="0" smtClean="0"/>
-              <a:t>Node.js and its package manager, NPM, are used to manage the JavaScript packages needed for the development tool chain including </a:t>
-            </a:r>
-            <a:r>
-              <a:rPr lang="en-US" dirty="0" smtClean="0"/>
-              <a:t>Angular </a:t>
-            </a:r>
-            <a:r>
-              <a:rPr lang="en-US" dirty="0" smtClean="0"/>
-              <a:t>itself</a:t>
+              <a:t>Node.js and its package manager, NPM, are used to manage the JavaScript packages needed for the development tool chain including Angular itself</a:t>
             </a:r>
           </a:p>
           <a:p>
@@ -21032,11 +20867,7 @@
           <a:p>
             <a:r>
               <a:rPr lang="en-US" dirty="0" smtClean="0"/>
-              <a:t>REST </a:t>
-            </a:r>
-            <a:r>
-              <a:rPr lang="en-US" dirty="0" smtClean="0"/>
-              <a:t>Services are provided by the JSON Server</a:t>
+              <a:t>REST Services are provided by the JSON Server</a:t>
             </a:r>
           </a:p>
           <a:p>
